--- a/호텔 예약관리 프로그램.pptx
+++ b/호텔 예약관리 프로그램.pptx
@@ -234,7 +234,7 @@
           <a:p>
             <a:fld id="{E561E146-6F2B-4965-9A23-4A8143503C41}" type="datetimeFigureOut">
               <a:rPr lang="ko-KR" altLang="en-US" smtClean="0"/>
-              <a:t>2022-05-10</a:t>
+              <a:t>2022-05-12</a:t>
             </a:fld>
             <a:endParaRPr lang="ko-KR" altLang="en-US"/>
           </a:p>
@@ -644,7 +644,7 @@
           <a:p>
             <a:fld id="{9574455A-2DDD-437B-83D0-4655CE0ECE7B}" type="datetimeFigureOut">
               <a:rPr lang="ko-KR" altLang="en-US" smtClean="0"/>
-              <a:t>2022-05-10</a:t>
+              <a:t>2022-05-12</a:t>
             </a:fld>
             <a:endParaRPr lang="ko-KR" altLang="en-US"/>
           </a:p>
@@ -814,7 +814,7 @@
           <a:p>
             <a:fld id="{9574455A-2DDD-437B-83D0-4655CE0ECE7B}" type="datetimeFigureOut">
               <a:rPr lang="ko-KR" altLang="en-US" smtClean="0"/>
-              <a:t>2022-05-10</a:t>
+              <a:t>2022-05-12</a:t>
             </a:fld>
             <a:endParaRPr lang="ko-KR" altLang="en-US"/>
           </a:p>
@@ -994,7 +994,7 @@
           <a:p>
             <a:fld id="{9574455A-2DDD-437B-83D0-4655CE0ECE7B}" type="datetimeFigureOut">
               <a:rPr lang="ko-KR" altLang="en-US" smtClean="0"/>
-              <a:t>2022-05-10</a:t>
+              <a:t>2022-05-12</a:t>
             </a:fld>
             <a:endParaRPr lang="ko-KR" altLang="en-US"/>
           </a:p>
@@ -1186,7 +1186,7 @@
           <a:p>
             <a:fld id="{9574455A-2DDD-437B-83D0-4655CE0ECE7B}" type="datetimeFigureOut">
               <a:rPr lang="ko-KR" altLang="en-US" smtClean="0"/>
-              <a:t>2022-05-10</a:t>
+              <a:t>2022-05-12</a:t>
             </a:fld>
             <a:endParaRPr lang="ko-KR" altLang="en-US"/>
           </a:p>
@@ -1356,7 +1356,7 @@
           <a:p>
             <a:fld id="{9574455A-2DDD-437B-83D0-4655CE0ECE7B}" type="datetimeFigureOut">
               <a:rPr lang="ko-KR" altLang="en-US" smtClean="0"/>
-              <a:t>2022-05-10</a:t>
+              <a:t>2022-05-12</a:t>
             </a:fld>
             <a:endParaRPr lang="ko-KR" altLang="en-US"/>
           </a:p>
@@ -1602,7 +1602,7 @@
           <a:p>
             <a:fld id="{9574455A-2DDD-437B-83D0-4655CE0ECE7B}" type="datetimeFigureOut">
               <a:rPr lang="ko-KR" altLang="en-US" smtClean="0"/>
-              <a:t>2022-05-10</a:t>
+              <a:t>2022-05-12</a:t>
             </a:fld>
             <a:endParaRPr lang="ko-KR" altLang="en-US"/>
           </a:p>
@@ -1834,7 +1834,7 @@
           <a:p>
             <a:fld id="{9574455A-2DDD-437B-83D0-4655CE0ECE7B}" type="datetimeFigureOut">
               <a:rPr lang="ko-KR" altLang="en-US" smtClean="0"/>
-              <a:t>2022-05-10</a:t>
+              <a:t>2022-05-12</a:t>
             </a:fld>
             <a:endParaRPr lang="ko-KR" altLang="en-US"/>
           </a:p>
@@ -2201,7 +2201,7 @@
           <a:p>
             <a:fld id="{9574455A-2DDD-437B-83D0-4655CE0ECE7B}" type="datetimeFigureOut">
               <a:rPr lang="ko-KR" altLang="en-US" smtClean="0"/>
-              <a:t>2022-05-10</a:t>
+              <a:t>2022-05-12</a:t>
             </a:fld>
             <a:endParaRPr lang="ko-KR" altLang="en-US"/>
           </a:p>
@@ -2319,7 +2319,7 @@
           <a:p>
             <a:fld id="{9574455A-2DDD-437B-83D0-4655CE0ECE7B}" type="datetimeFigureOut">
               <a:rPr lang="ko-KR" altLang="en-US" smtClean="0"/>
-              <a:t>2022-05-10</a:t>
+              <a:t>2022-05-12</a:t>
             </a:fld>
             <a:endParaRPr lang="ko-KR" altLang="en-US"/>
           </a:p>
@@ -2414,7 +2414,7 @@
           <a:p>
             <a:fld id="{9574455A-2DDD-437B-83D0-4655CE0ECE7B}" type="datetimeFigureOut">
               <a:rPr lang="ko-KR" altLang="en-US" smtClean="0"/>
-              <a:t>2022-05-10</a:t>
+              <a:t>2022-05-12</a:t>
             </a:fld>
             <a:endParaRPr lang="ko-KR" altLang="en-US"/>
           </a:p>
@@ -2691,7 +2691,7 @@
           <a:p>
             <a:fld id="{9574455A-2DDD-437B-83D0-4655CE0ECE7B}" type="datetimeFigureOut">
               <a:rPr lang="ko-KR" altLang="en-US" smtClean="0"/>
-              <a:t>2022-05-10</a:t>
+              <a:t>2022-05-12</a:t>
             </a:fld>
             <a:endParaRPr lang="ko-KR" altLang="en-US"/>
           </a:p>
@@ -2861,7 +2861,7 @@
           <a:p>
             <a:fld id="{9574455A-2DDD-437B-83D0-4655CE0ECE7B}" type="datetimeFigureOut">
               <a:rPr lang="ko-KR" altLang="en-US" smtClean="0"/>
-              <a:t>2022-05-10</a:t>
+              <a:t>2022-05-12</a:t>
             </a:fld>
             <a:endParaRPr lang="ko-KR" altLang="en-US"/>
           </a:p>
@@ -3118,7 +3118,7 @@
           <a:p>
             <a:fld id="{9574455A-2DDD-437B-83D0-4655CE0ECE7B}" type="datetimeFigureOut">
               <a:rPr lang="ko-KR" altLang="en-US" smtClean="0"/>
-              <a:t>2022-05-10</a:t>
+              <a:t>2022-05-12</a:t>
             </a:fld>
             <a:endParaRPr lang="ko-KR" altLang="en-US"/>
           </a:p>
@@ -3288,7 +3288,7 @@
           <a:p>
             <a:fld id="{9574455A-2DDD-437B-83D0-4655CE0ECE7B}" type="datetimeFigureOut">
               <a:rPr lang="ko-KR" altLang="en-US" smtClean="0"/>
-              <a:t>2022-05-10</a:t>
+              <a:t>2022-05-12</a:t>
             </a:fld>
             <a:endParaRPr lang="ko-KR" altLang="en-US"/>
           </a:p>
@@ -3468,7 +3468,7 @@
           <a:p>
             <a:fld id="{9574455A-2DDD-437B-83D0-4655CE0ECE7B}" type="datetimeFigureOut">
               <a:rPr lang="ko-KR" altLang="en-US" smtClean="0"/>
-              <a:t>2022-05-10</a:t>
+              <a:t>2022-05-12</a:t>
             </a:fld>
             <a:endParaRPr lang="ko-KR" altLang="en-US"/>
           </a:p>
@@ -3719,7 +3719,7 @@
           <a:p>
             <a:fld id="{9574455A-2DDD-437B-83D0-4655CE0ECE7B}" type="datetimeFigureOut">
               <a:rPr lang="ko-KR" altLang="en-US" smtClean="0"/>
-              <a:t>2022-05-10</a:t>
+              <a:t>2022-05-12</a:t>
             </a:fld>
             <a:endParaRPr lang="ko-KR" altLang="en-US"/>
           </a:p>
@@ -3951,7 +3951,7 @@
           <a:p>
             <a:fld id="{9574455A-2DDD-437B-83D0-4655CE0ECE7B}" type="datetimeFigureOut">
               <a:rPr lang="ko-KR" altLang="en-US" smtClean="0"/>
-              <a:t>2022-05-10</a:t>
+              <a:t>2022-05-12</a:t>
             </a:fld>
             <a:endParaRPr lang="ko-KR" altLang="en-US"/>
           </a:p>
@@ -4298,7 +4298,7 @@
           <a:p>
             <a:fld id="{9574455A-2DDD-437B-83D0-4655CE0ECE7B}" type="datetimeFigureOut">
               <a:rPr lang="ko-KR" altLang="en-US" smtClean="0"/>
-              <a:t>2022-05-10</a:t>
+              <a:t>2022-05-12</a:t>
             </a:fld>
             <a:endParaRPr lang="ko-KR" altLang="en-US"/>
           </a:p>
@@ -4416,7 +4416,7 @@
           <a:p>
             <a:fld id="{9574455A-2DDD-437B-83D0-4655CE0ECE7B}" type="datetimeFigureOut">
               <a:rPr lang="ko-KR" altLang="en-US" smtClean="0"/>
-              <a:t>2022-05-10</a:t>
+              <a:t>2022-05-12</a:t>
             </a:fld>
             <a:endParaRPr lang="ko-KR" altLang="en-US"/>
           </a:p>
@@ -4534,7 +4534,7 @@
           <a:p>
             <a:fld id="{9574455A-2DDD-437B-83D0-4655CE0ECE7B}" type="datetimeFigureOut">
               <a:rPr lang="ko-KR" altLang="en-US" smtClean="0"/>
-              <a:t>2022-05-10</a:t>
+              <a:t>2022-05-12</a:t>
             </a:fld>
             <a:endParaRPr lang="ko-KR" altLang="en-US"/>
           </a:p>
@@ -4818,7 +4818,7 @@
           <a:p>
             <a:fld id="{9574455A-2DDD-437B-83D0-4655CE0ECE7B}" type="datetimeFigureOut">
               <a:rPr lang="ko-KR" altLang="en-US" smtClean="0"/>
-              <a:t>2022-05-10</a:t>
+              <a:t>2022-05-12</a:t>
             </a:fld>
             <a:endParaRPr lang="ko-KR" altLang="en-US"/>
           </a:p>
@@ -5082,7 +5082,7 @@
           <a:p>
             <a:fld id="{9574455A-2DDD-437B-83D0-4655CE0ECE7B}" type="datetimeFigureOut">
               <a:rPr lang="ko-KR" altLang="en-US" smtClean="0"/>
-              <a:t>2022-05-10</a:t>
+              <a:t>2022-05-12</a:t>
             </a:fld>
             <a:endParaRPr lang="ko-KR" altLang="en-US"/>
           </a:p>
@@ -5296,7 +5296,7 @@
           <a:p>
             <a:fld id="{9574455A-2DDD-437B-83D0-4655CE0ECE7B}" type="datetimeFigureOut">
               <a:rPr lang="ko-KR" altLang="en-US" smtClean="0"/>
-              <a:t>2022-05-10</a:t>
+              <a:t>2022-05-12</a:t>
             </a:fld>
             <a:endParaRPr lang="ko-KR" altLang="en-US"/>
           </a:p>
@@ -5825,7 +5825,7 @@
           <a:p>
             <a:fld id="{9574455A-2DDD-437B-83D0-4655CE0ECE7B}" type="datetimeFigureOut">
               <a:rPr lang="ko-KR" altLang="en-US" smtClean="0"/>
-              <a:t>2022-05-10</a:t>
+              <a:t>2022-05-12</a:t>
             </a:fld>
             <a:endParaRPr lang="ko-KR" altLang="en-US"/>
           </a:p>
@@ -7119,15 +7119,18 @@
                   <a:schemeClr val="tx1"/>
                 </a:solidFill>
               </a:rPr>
-              <a:t>Controller </a:t>
-            </a:r>
-            <a:r>
-              <a:rPr lang="en-US" altLang="ko-KR" dirty="0" err="1" smtClean="0">
+              <a:t>APP</a:t>
+            </a:r>
+          </a:p>
+          <a:p>
+            <a:pPr algn="ctr"/>
+            <a:r>
+              <a:rPr lang="en-US" altLang="ko-KR" dirty="0" smtClean="0">
                 <a:solidFill>
                   <a:schemeClr val="tx1"/>
                 </a:solidFill>
               </a:rPr>
-              <a:t>Packge</a:t>
+              <a:t>--------------------</a:t>
             </a:r>
             <a:endParaRPr lang="en-US" altLang="ko-KR" dirty="0" smtClean="0">
               <a:solidFill>
@@ -7138,17 +7141,6 @@
           <a:p>
             <a:pPr algn="ctr"/>
             <a:r>
-              <a:rPr lang="en-US" altLang="ko-KR" dirty="0" smtClean="0">
-                <a:solidFill>
-                  <a:schemeClr val="tx1"/>
-                </a:solidFill>
-              </a:rPr>
-              <a:t>--------------------</a:t>
-            </a:r>
-          </a:p>
-          <a:p>
-            <a:pPr algn="ctr"/>
-            <a:r>
               <a:rPr lang="ko-KR" altLang="en-US" dirty="0" smtClean="0">
                 <a:solidFill>
                   <a:schemeClr val="tx1"/>
@@ -7180,6 +7172,33 @@
               </a:rPr>
               <a:t>Package</a:t>
             </a:r>
+          </a:p>
+          <a:p>
+            <a:pPr algn="ctr"/>
+            <a:endParaRPr lang="en-US" altLang="ko-KR" dirty="0">
+              <a:solidFill>
+                <a:schemeClr val="tx1"/>
+              </a:solidFill>
+            </a:endParaRPr>
+          </a:p>
+          <a:p>
+            <a:pPr algn="ctr"/>
+            <a:endParaRPr lang="en-US" altLang="ko-KR" dirty="0" smtClean="0">
+              <a:solidFill>
+                <a:schemeClr val="tx1"/>
+              </a:solidFill>
+            </a:endParaRPr>
+          </a:p>
+          <a:p>
+            <a:pPr algn="ctr"/>
+            <a:endParaRPr lang="en-US" altLang="ko-KR" dirty="0">
+              <a:solidFill>
+                <a:schemeClr val="tx1"/>
+              </a:solidFill>
+            </a:endParaRPr>
+          </a:p>
+          <a:p>
+            <a:pPr algn="ctr"/>
             <a:endParaRPr lang="ko-KR" altLang="en-US" dirty="0">
               <a:solidFill>
                 <a:schemeClr val="tx1"/>
@@ -7275,12 +7294,12 @@
           <a:p>
             <a:pPr algn="ctr"/>
             <a:r>
-              <a:rPr lang="en-US" altLang="ko-KR" dirty="0" err="1" smtClean="0">
+              <a:rPr lang="en-US" altLang="ko-KR" dirty="0" smtClean="0">
                 <a:solidFill>
                   <a:schemeClr val="tx1"/>
                 </a:solidFill>
               </a:rPr>
-              <a:t>Packge</a:t>
+              <a:t>--------------------</a:t>
             </a:r>
             <a:endParaRPr lang="en-US" altLang="ko-KR" dirty="0" smtClean="0">
               <a:solidFill>
@@ -7291,17 +7310,6 @@
           <a:p>
             <a:pPr algn="ctr"/>
             <a:r>
-              <a:rPr lang="en-US" altLang="ko-KR" dirty="0" smtClean="0">
-                <a:solidFill>
-                  <a:schemeClr val="tx1"/>
-                </a:solidFill>
-              </a:rPr>
-              <a:t>--------------------</a:t>
-            </a:r>
-          </a:p>
-          <a:p>
-            <a:pPr algn="ctr"/>
-            <a:r>
               <a:rPr lang="ko-KR" altLang="en-US" dirty="0" smtClean="0">
                 <a:solidFill>
                   <a:schemeClr val="tx1"/>
@@ -7373,6 +7381,25 @@
               </a:rPr>
               <a:t>Package</a:t>
             </a:r>
+          </a:p>
+          <a:p>
+            <a:pPr algn="ctr"/>
+            <a:endParaRPr lang="en-US" altLang="ko-KR" dirty="0">
+              <a:solidFill>
+                <a:schemeClr val="tx1"/>
+              </a:solidFill>
+            </a:endParaRPr>
+          </a:p>
+          <a:p>
+            <a:pPr algn="ctr"/>
+            <a:endParaRPr lang="en-US" altLang="ko-KR" dirty="0" smtClean="0">
+              <a:solidFill>
+                <a:schemeClr val="tx1"/>
+              </a:solidFill>
+            </a:endParaRPr>
+          </a:p>
+          <a:p>
+            <a:pPr algn="ctr"/>
             <a:endParaRPr lang="ko-KR" altLang="en-US" dirty="0">
               <a:solidFill>
                 <a:schemeClr val="tx1"/>
@@ -7468,12 +7495,12 @@
           <a:p>
             <a:pPr algn="ctr"/>
             <a:r>
-              <a:rPr lang="en-US" altLang="ko-KR" dirty="0" err="1" smtClean="0">
+              <a:rPr lang="en-US" altLang="ko-KR" dirty="0" smtClean="0">
                 <a:solidFill>
                   <a:schemeClr val="tx1"/>
                 </a:solidFill>
               </a:rPr>
-              <a:t>Packge</a:t>
+              <a:t>--------------------</a:t>
             </a:r>
             <a:endParaRPr lang="en-US" altLang="ko-KR" dirty="0" smtClean="0">
               <a:solidFill>
@@ -7484,17 +7511,6 @@
           <a:p>
             <a:pPr algn="ctr"/>
             <a:r>
-              <a:rPr lang="en-US" altLang="ko-KR" dirty="0" smtClean="0">
-                <a:solidFill>
-                  <a:schemeClr val="tx1"/>
-                </a:solidFill>
-              </a:rPr>
-              <a:t>--------------------</a:t>
-            </a:r>
-          </a:p>
-          <a:p>
-            <a:pPr algn="ctr"/>
-            <a:r>
               <a:rPr lang="ko-KR" altLang="en-US" dirty="0" smtClean="0">
                 <a:solidFill>
                   <a:schemeClr val="tx1"/>
@@ -7550,6 +7566,30 @@
               </a:rPr>
               <a:t>Package</a:t>
             </a:r>
+          </a:p>
+          <a:p>
+            <a:pPr algn="ctr"/>
+            <a:endParaRPr lang="en-US" altLang="ko-KR" dirty="0">
+              <a:solidFill>
+                <a:schemeClr val="tx1"/>
+              </a:solidFill>
+            </a:endParaRPr>
+          </a:p>
+          <a:p>
+            <a:pPr algn="ctr"/>
+            <a:endParaRPr lang="en-US" altLang="ko-KR" dirty="0" smtClean="0">
+              <a:solidFill>
+                <a:schemeClr val="tx1"/>
+              </a:solidFill>
+            </a:endParaRPr>
+          </a:p>
+          <a:p>
+            <a:pPr algn="ctr"/>
+            <a:endParaRPr lang="en-US" altLang="ko-KR" dirty="0" smtClean="0">
+              <a:solidFill>
+                <a:schemeClr val="tx1"/>
+              </a:solidFill>
+            </a:endParaRPr>
           </a:p>
         </p:txBody>
       </p:sp>
@@ -7696,6 +7736,38 @@
               <a:t>Package</a:t>
             </a:r>
           </a:p>
+          <a:p>
+            <a:pPr algn="ctr"/>
+            <a:endParaRPr lang="en-US" altLang="ko-KR" dirty="0">
+              <a:solidFill>
+                <a:schemeClr val="tx1"/>
+              </a:solidFill>
+            </a:endParaRPr>
+          </a:p>
+          <a:p>
+            <a:pPr algn="ctr"/>
+            <a:endParaRPr lang="en-US" altLang="ko-KR" dirty="0" smtClean="0">
+              <a:solidFill>
+                <a:schemeClr val="tx1"/>
+              </a:solidFill>
+            </a:endParaRPr>
+          </a:p>
+          <a:p>
+            <a:pPr algn="ctr"/>
+            <a:endParaRPr lang="en-US" altLang="ko-KR" dirty="0">
+              <a:solidFill>
+                <a:schemeClr val="tx1"/>
+              </a:solidFill>
+            </a:endParaRPr>
+          </a:p>
+          <a:p>
+            <a:pPr algn="ctr"/>
+            <a:endParaRPr lang="en-US" altLang="ko-KR" dirty="0" smtClean="0">
+              <a:solidFill>
+                <a:schemeClr val="tx1"/>
+              </a:solidFill>
+            </a:endParaRPr>
+          </a:p>
         </p:txBody>
       </p:sp>
       <p:cxnSp>
@@ -7809,13 +7881,40 @@
               <a:t> </a:t>
             </a:r>
             <a:r>
-              <a:rPr lang="en-US" altLang="ko-KR" dirty="0" err="1" smtClean="0">
+              <a:rPr lang="en-US" altLang="ko-KR" dirty="0" smtClean="0">
                 <a:solidFill>
                   <a:schemeClr val="tx1"/>
                 </a:solidFill>
               </a:rPr>
-              <a:t>Packge</a:t>
-            </a:r>
+              <a:t>Package</a:t>
+            </a:r>
+          </a:p>
+          <a:p>
+            <a:pPr algn="ctr"/>
+            <a:endParaRPr lang="en-US" altLang="ko-KR" dirty="0" smtClean="0">
+              <a:solidFill>
+                <a:schemeClr val="tx1"/>
+              </a:solidFill>
+            </a:endParaRPr>
+          </a:p>
+          <a:p>
+            <a:pPr algn="ctr"/>
+            <a:endParaRPr lang="en-US" altLang="ko-KR" dirty="0">
+              <a:solidFill>
+                <a:schemeClr val="tx1"/>
+              </a:solidFill>
+            </a:endParaRPr>
+          </a:p>
+          <a:p>
+            <a:pPr algn="ctr"/>
+            <a:endParaRPr lang="en-US" altLang="ko-KR" dirty="0" smtClean="0">
+              <a:solidFill>
+                <a:schemeClr val="tx1"/>
+              </a:solidFill>
+            </a:endParaRPr>
+          </a:p>
+          <a:p>
+            <a:pPr algn="ctr"/>
             <a:endParaRPr lang="ko-KR" altLang="en-US" dirty="0">
               <a:solidFill>
                 <a:schemeClr val="tx1"/>
@@ -8535,7 +8634,7 @@
         </p:blipFill>
         <p:spPr>
           <a:xfrm>
-            <a:off x="7889172" y="1478626"/>
+            <a:off x="7699853" y="1379044"/>
             <a:ext cx="3077004" cy="3115110"/>
           </a:xfrm>
           <a:prstGeom prst="rect">
@@ -13896,7 +13995,7 @@
                   <a:schemeClr val="tx1"/>
                 </a:solidFill>
               </a:rPr>
-              <a:t>예약번호입력</a:t>
+              <a:t>예약번호배정</a:t>
             </a:r>
             <a:endParaRPr lang="ko-KR" altLang="en-US" dirty="0">
               <a:solidFill>
@@ -13945,16 +14044,13 @@
       <p:cxnSp>
         <p:nvCxnSpPr>
           <p:cNvPr id="14" name="직선 화살표 연결선 13"/>
-          <p:cNvCxnSpPr>
-            <a:stCxn id="3" idx="2"/>
-            <a:endCxn id="34" idx="0"/>
-          </p:cNvCxnSpPr>
+          <p:cNvCxnSpPr/>
           <p:nvPr/>
         </p:nvCxnSpPr>
         <p:spPr>
-          <a:xfrm flipH="1">
-            <a:off x="2508067" y="4231542"/>
-            <a:ext cx="3312" cy="856337"/>
+          <a:xfrm>
+            <a:off x="2511471" y="4231542"/>
+            <a:ext cx="13222" cy="856337"/>
           </a:xfrm>
           <a:prstGeom prst="straightConnector1">
             <a:avLst/>
@@ -14014,42 +14110,6 @@
           </a:fontRef>
         </p:style>
       </p:cxnSp>
-      <p:cxnSp>
-        <p:nvCxnSpPr>
-          <p:cNvPr id="31" name="꺾인 연결선 30"/>
-          <p:cNvCxnSpPr>
-            <a:stCxn id="33" idx="2"/>
-            <a:endCxn id="34" idx="1"/>
-          </p:cNvCxnSpPr>
-          <p:nvPr/>
-        </p:nvCxnSpPr>
-        <p:spPr>
-          <a:xfrm rot="16200000" flipH="1">
-            <a:off x="932321" y="4651819"/>
-            <a:ext cx="706465" cy="722245"/>
-          </a:xfrm>
-          <a:prstGeom prst="bentConnector2">
-            <a:avLst/>
-          </a:prstGeom>
-          <a:ln>
-            <a:tailEnd type="triangle"/>
-          </a:ln>
-        </p:spPr>
-        <p:style>
-          <a:lnRef idx="1">
-            <a:schemeClr val="accent1"/>
-          </a:lnRef>
-          <a:fillRef idx="0">
-            <a:schemeClr val="accent1"/>
-          </a:fillRef>
-          <a:effectRef idx="0">
-            <a:schemeClr val="accent1"/>
-          </a:effectRef>
-          <a:fontRef idx="minor">
-            <a:schemeClr val="tx1"/>
-          </a:fontRef>
-        </p:style>
-      </p:cxnSp>
       <p:sp>
         <p:nvSpPr>
           <p:cNvPr id="35" name="직사각형 34"/>
@@ -14058,8 +14118,8 @@
         </p:nvSpPr>
         <p:spPr>
           <a:xfrm>
-            <a:off x="1024103" y="2751620"/>
-            <a:ext cx="522900" cy="923330"/>
+            <a:off x="998320" y="2417081"/>
+            <a:ext cx="497030" cy="1107996"/>
           </a:xfrm>
           <a:prstGeom prst="rect">
             <a:avLst/>
@@ -14067,7 +14127,7 @@
           <a:noFill/>
         </p:spPr>
         <p:txBody>
-          <a:bodyPr wrap="none" lIns="91440" tIns="45720" rIns="91440" bIns="45720">
+          <a:bodyPr wrap="square" lIns="91440" tIns="45720" rIns="91440" bIns="45720">
             <a:spAutoFit/>
           </a:bodyPr>
           <a:lstStyle/>
@@ -14100,72 +14160,7 @@
                   </a:outerShdw>
                 </a:effectLst>
               </a:rPr>
-              <a:t>No</a:t>
-            </a:r>
-            <a:endParaRPr lang="en-US" altLang="ko-KR" sz="1200" dirty="0">
-              <a:ln w="0"/>
-              <a:effectLst>
-                <a:outerShdw blurRad="38100" dist="19050" dir="2700000" algn="tl" rotWithShape="0">
-                  <a:schemeClr val="dk1">
-                    <a:alpha val="40000"/>
-                  </a:schemeClr>
-                </a:outerShdw>
-              </a:effectLst>
-            </a:endParaRPr>
-          </a:p>
-        </p:txBody>
-      </p:sp>
-      <p:sp>
-        <p:nvSpPr>
-          <p:cNvPr id="50" name="직사각형 49"/>
-          <p:cNvSpPr/>
-          <p:nvPr/>
-        </p:nvSpPr>
-        <p:spPr>
-          <a:xfrm>
-            <a:off x="2412359" y="3950465"/>
-            <a:ext cx="546688" cy="923330"/>
-          </a:xfrm>
-          <a:prstGeom prst="rect">
-            <a:avLst/>
-          </a:prstGeom>
-          <a:noFill/>
-        </p:spPr>
-        <p:txBody>
-          <a:bodyPr wrap="none" lIns="91440" tIns="45720" rIns="91440" bIns="45720">
-            <a:spAutoFit/>
-          </a:bodyPr>
-          <a:lstStyle/>
-          <a:p>
-            <a:pPr algn="ctr"/>
-            <a:r>
-              <a:rPr lang="en-US" altLang="ko-KR" sz="5400" b="0" cap="none" spc="0" dirty="0" smtClean="0">
-                <a:ln w="0"/>
-                <a:solidFill>
-                  <a:schemeClr val="tx1"/>
-                </a:solidFill>
-                <a:effectLst>
-                  <a:outerShdw blurRad="38100" dist="19050" dir="2700000" algn="tl" rotWithShape="0">
-                    <a:schemeClr val="dk1">
-                      <a:alpha val="40000"/>
-                    </a:schemeClr>
-                  </a:outerShdw>
-                </a:effectLst>
-              </a:rPr>
-              <a:t> </a:t>
-            </a:r>
-            <a:r>
-              <a:rPr lang="en-US" altLang="ko-KR" sz="1200" dirty="0" smtClean="0">
-                <a:ln w="0"/>
-                <a:effectLst>
-                  <a:outerShdw blurRad="38100" dist="19050" dir="2700000" algn="tl" rotWithShape="0">
-                    <a:schemeClr val="dk1">
-                      <a:alpha val="40000"/>
-                    </a:schemeClr>
-                  </a:outerShdw>
-                </a:effectLst>
-              </a:rPr>
-              <a:t>yes</a:t>
+              <a:t>first</a:t>
             </a:r>
             <a:endParaRPr lang="en-US" altLang="ko-KR" sz="1200" dirty="0">
               <a:ln w="0"/>
@@ -15383,6 +15378,234 @@
           </a:fontRef>
         </p:style>
       </p:cxnSp>
+      <p:cxnSp>
+        <p:nvCxnSpPr>
+          <p:cNvPr id="40" name="직선 화살표 연결선 39"/>
+          <p:cNvCxnSpPr>
+            <a:stCxn id="52" idx="0"/>
+            <a:endCxn id="3" idx="3"/>
+          </p:cNvCxnSpPr>
+          <p:nvPr/>
+        </p:nvCxnSpPr>
+        <p:spPr>
+          <a:xfrm flipH="1" flipV="1">
+            <a:off x="3369458" y="3525078"/>
+            <a:ext cx="1232452" cy="1562801"/>
+          </a:xfrm>
+          <a:prstGeom prst="straightConnector1">
+            <a:avLst/>
+          </a:prstGeom>
+          <a:ln>
+            <a:tailEnd type="triangle"/>
+          </a:ln>
+        </p:spPr>
+        <p:style>
+          <a:lnRef idx="1">
+            <a:schemeClr val="accent1"/>
+          </a:lnRef>
+          <a:fillRef idx="0">
+            <a:schemeClr val="accent1"/>
+          </a:fillRef>
+          <a:effectRef idx="0">
+            <a:schemeClr val="accent1"/>
+          </a:effectRef>
+          <a:fontRef idx="minor">
+            <a:schemeClr val="tx1"/>
+          </a:fontRef>
+        </p:style>
+      </p:cxnSp>
+      <p:cxnSp>
+        <p:nvCxnSpPr>
+          <p:cNvPr id="41" name="꺾인 연결선 40"/>
+          <p:cNvCxnSpPr>
+            <a:stCxn id="33" idx="2"/>
+            <a:endCxn id="34" idx="1"/>
+          </p:cNvCxnSpPr>
+          <p:nvPr/>
+        </p:nvCxnSpPr>
+        <p:spPr>
+          <a:xfrm rot="16200000" flipH="1">
+            <a:off x="932321" y="4651819"/>
+            <a:ext cx="706465" cy="722245"/>
+          </a:xfrm>
+          <a:prstGeom prst="bentConnector2">
+            <a:avLst/>
+          </a:prstGeom>
+          <a:ln>
+            <a:tailEnd type="triangle"/>
+          </a:ln>
+        </p:spPr>
+        <p:style>
+          <a:lnRef idx="1">
+            <a:schemeClr val="accent1"/>
+          </a:lnRef>
+          <a:fillRef idx="0">
+            <a:schemeClr val="accent1"/>
+          </a:fillRef>
+          <a:effectRef idx="0">
+            <a:schemeClr val="accent1"/>
+          </a:effectRef>
+          <a:fontRef idx="minor">
+            <a:schemeClr val="tx1"/>
+          </a:fontRef>
+        </p:style>
+      </p:cxnSp>
+      <p:sp>
+        <p:nvSpPr>
+          <p:cNvPr id="44" name="직사각형 43"/>
+          <p:cNvSpPr/>
+          <p:nvPr/>
+        </p:nvSpPr>
+        <p:spPr>
+          <a:xfrm>
+            <a:off x="631224" y="4564783"/>
+            <a:ext cx="868221" cy="1292662"/>
+          </a:xfrm>
+          <a:prstGeom prst="rect">
+            <a:avLst/>
+          </a:prstGeom>
+          <a:noFill/>
+        </p:spPr>
+        <p:txBody>
+          <a:bodyPr wrap="square" lIns="91440" tIns="45720" rIns="91440" bIns="45720">
+            <a:spAutoFit/>
+          </a:bodyPr>
+          <a:lstStyle/>
+          <a:p>
+            <a:pPr algn="ctr"/>
+            <a:r>
+              <a:rPr lang="en-US" altLang="ko-KR" sz="5400" b="0" cap="none" spc="0" dirty="0" smtClean="0">
+                <a:ln w="0"/>
+                <a:solidFill>
+                  <a:schemeClr val="tx1"/>
+                </a:solidFill>
+                <a:effectLst>
+                  <a:outerShdw blurRad="38100" dist="19050" dir="2700000" algn="tl" rotWithShape="0">
+                    <a:schemeClr val="dk1">
+                      <a:alpha val="40000"/>
+                    </a:schemeClr>
+                  </a:outerShdw>
+                </a:effectLst>
+              </a:rPr>
+              <a:t> </a:t>
+            </a:r>
+            <a:r>
+              <a:rPr lang="en-US" altLang="ko-KR" sz="1200" dirty="0" err="1" smtClean="0">
+                <a:ln w="0"/>
+                <a:effectLst>
+                  <a:outerShdw blurRad="38100" dist="19050" dir="2700000" algn="tl" rotWithShape="0">
+                    <a:schemeClr val="dk1">
+                      <a:alpha val="40000"/>
+                    </a:schemeClr>
+                  </a:outerShdw>
+                </a:effectLst>
+              </a:rPr>
+              <a:t>Resrvation</a:t>
+            </a:r>
+            <a:endParaRPr lang="en-US" altLang="ko-KR" sz="1200" dirty="0" smtClean="0">
+              <a:ln w="0"/>
+              <a:effectLst>
+                <a:outerShdw blurRad="38100" dist="19050" dir="2700000" algn="tl" rotWithShape="0">
+                  <a:schemeClr val="dk1">
+                    <a:alpha val="40000"/>
+                  </a:schemeClr>
+                </a:outerShdw>
+              </a:effectLst>
+            </a:endParaRPr>
+          </a:p>
+          <a:p>
+            <a:pPr algn="ctr"/>
+            <a:r>
+              <a:rPr lang="en-US" altLang="ko-KR" sz="1200" dirty="0" smtClean="0">
+                <a:ln w="0"/>
+                <a:effectLst>
+                  <a:outerShdw blurRad="38100" dist="19050" dir="2700000" algn="tl" rotWithShape="0">
+                    <a:schemeClr val="dk1">
+                      <a:alpha val="40000"/>
+                    </a:schemeClr>
+                  </a:outerShdw>
+                </a:effectLst>
+              </a:rPr>
+              <a:t>complete</a:t>
+            </a:r>
+            <a:endParaRPr lang="en-US" altLang="ko-KR" sz="1200" dirty="0">
+              <a:ln w="0"/>
+              <a:effectLst>
+                <a:outerShdw blurRad="38100" dist="19050" dir="2700000" algn="tl" rotWithShape="0">
+                  <a:schemeClr val="dk1">
+                    <a:alpha val="40000"/>
+                  </a:schemeClr>
+                </a:outerShdw>
+              </a:effectLst>
+            </a:endParaRPr>
+          </a:p>
+        </p:txBody>
+      </p:sp>
+      <p:sp>
+        <p:nvSpPr>
+          <p:cNvPr id="54" name="직사각형 53"/>
+          <p:cNvSpPr/>
+          <p:nvPr/>
+        </p:nvSpPr>
+        <p:spPr>
+          <a:xfrm>
+            <a:off x="3525056" y="3350826"/>
+            <a:ext cx="497030" cy="1107996"/>
+          </a:xfrm>
+          <a:prstGeom prst="rect">
+            <a:avLst/>
+          </a:prstGeom>
+          <a:noFill/>
+        </p:spPr>
+        <p:txBody>
+          <a:bodyPr wrap="square" lIns="91440" tIns="45720" rIns="91440" bIns="45720">
+            <a:spAutoFit/>
+          </a:bodyPr>
+          <a:lstStyle/>
+          <a:p>
+            <a:pPr algn="ctr"/>
+            <a:r>
+              <a:rPr lang="en-US" altLang="ko-KR" sz="5400" b="0" cap="none" spc="0" dirty="0" smtClean="0">
+                <a:ln w="0"/>
+                <a:solidFill>
+                  <a:schemeClr val="tx1"/>
+                </a:solidFill>
+                <a:effectLst>
+                  <a:outerShdw blurRad="38100" dist="19050" dir="2700000" algn="tl" rotWithShape="0">
+                    <a:schemeClr val="dk1">
+                      <a:alpha val="40000"/>
+                    </a:schemeClr>
+                  </a:outerShdw>
+                </a:effectLst>
+              </a:rPr>
+              <a:t> </a:t>
+            </a:r>
+            <a:r>
+              <a:rPr lang="en-US" altLang="ko-KR" sz="1200" dirty="0" smtClean="0">
+                <a:ln w="0"/>
+                <a:effectLst>
+                  <a:outerShdw blurRad="38100" dist="19050" dir="2700000" algn="tl" rotWithShape="0">
+                    <a:schemeClr val="dk1">
+                      <a:alpha val="40000"/>
+                    </a:schemeClr>
+                  </a:outerShdw>
+                </a:effectLst>
+              </a:rPr>
+              <a:t>print</a:t>
+            </a:r>
+            <a:endParaRPr lang="en-US" altLang="ko-KR" sz="1200" dirty="0">
+              <a:ln w="0"/>
+              <a:effectLst>
+                <a:outerShdw blurRad="38100" dist="19050" dir="2700000" algn="tl" rotWithShape="0">
+                  <a:schemeClr val="dk1">
+                    <a:alpha val="40000"/>
+                  </a:schemeClr>
+                </a:outerShdw>
+              </a:effectLst>
+            </a:endParaRPr>
+          </a:p>
+        </p:txBody>
+      </p:sp>
     </p:spTree>
     <p:extLst>
       <p:ext uri="{BB962C8B-B14F-4D97-AF65-F5344CB8AC3E}">

--- a/호텔 예약관리 프로그램.pptx
+++ b/호텔 예약관리 프로그램.pptx
@@ -234,7 +234,7 @@
           <a:p>
             <a:fld id="{E561E146-6F2B-4965-9A23-4A8143503C41}" type="datetimeFigureOut">
               <a:rPr lang="ko-KR" altLang="en-US" smtClean="0"/>
-              <a:t>2022-05-10</a:t>
+              <a:t>2022-05-12</a:t>
             </a:fld>
             <a:endParaRPr lang="ko-KR" altLang="en-US"/>
           </a:p>
@@ -644,7 +644,7 @@
           <a:p>
             <a:fld id="{9574455A-2DDD-437B-83D0-4655CE0ECE7B}" type="datetimeFigureOut">
               <a:rPr lang="ko-KR" altLang="en-US" smtClean="0"/>
-              <a:t>2022-05-10</a:t>
+              <a:t>2022-05-12</a:t>
             </a:fld>
             <a:endParaRPr lang="ko-KR" altLang="en-US"/>
           </a:p>
@@ -814,7 +814,7 @@
           <a:p>
             <a:fld id="{9574455A-2DDD-437B-83D0-4655CE0ECE7B}" type="datetimeFigureOut">
               <a:rPr lang="ko-KR" altLang="en-US" smtClean="0"/>
-              <a:t>2022-05-10</a:t>
+              <a:t>2022-05-12</a:t>
             </a:fld>
             <a:endParaRPr lang="ko-KR" altLang="en-US"/>
           </a:p>
@@ -994,7 +994,7 @@
           <a:p>
             <a:fld id="{9574455A-2DDD-437B-83D0-4655CE0ECE7B}" type="datetimeFigureOut">
               <a:rPr lang="ko-KR" altLang="en-US" smtClean="0"/>
-              <a:t>2022-05-10</a:t>
+              <a:t>2022-05-12</a:t>
             </a:fld>
             <a:endParaRPr lang="ko-KR" altLang="en-US"/>
           </a:p>
@@ -1186,7 +1186,7 @@
           <a:p>
             <a:fld id="{9574455A-2DDD-437B-83D0-4655CE0ECE7B}" type="datetimeFigureOut">
               <a:rPr lang="ko-KR" altLang="en-US" smtClean="0"/>
-              <a:t>2022-05-10</a:t>
+              <a:t>2022-05-12</a:t>
             </a:fld>
             <a:endParaRPr lang="ko-KR" altLang="en-US"/>
           </a:p>
@@ -1356,7 +1356,7 @@
           <a:p>
             <a:fld id="{9574455A-2DDD-437B-83D0-4655CE0ECE7B}" type="datetimeFigureOut">
               <a:rPr lang="ko-KR" altLang="en-US" smtClean="0"/>
-              <a:t>2022-05-10</a:t>
+              <a:t>2022-05-12</a:t>
             </a:fld>
             <a:endParaRPr lang="ko-KR" altLang="en-US"/>
           </a:p>
@@ -1602,7 +1602,7 @@
           <a:p>
             <a:fld id="{9574455A-2DDD-437B-83D0-4655CE0ECE7B}" type="datetimeFigureOut">
               <a:rPr lang="ko-KR" altLang="en-US" smtClean="0"/>
-              <a:t>2022-05-10</a:t>
+              <a:t>2022-05-12</a:t>
             </a:fld>
             <a:endParaRPr lang="ko-KR" altLang="en-US"/>
           </a:p>
@@ -1834,7 +1834,7 @@
           <a:p>
             <a:fld id="{9574455A-2DDD-437B-83D0-4655CE0ECE7B}" type="datetimeFigureOut">
               <a:rPr lang="ko-KR" altLang="en-US" smtClean="0"/>
-              <a:t>2022-05-10</a:t>
+              <a:t>2022-05-12</a:t>
             </a:fld>
             <a:endParaRPr lang="ko-KR" altLang="en-US"/>
           </a:p>
@@ -2201,7 +2201,7 @@
           <a:p>
             <a:fld id="{9574455A-2DDD-437B-83D0-4655CE0ECE7B}" type="datetimeFigureOut">
               <a:rPr lang="ko-KR" altLang="en-US" smtClean="0"/>
-              <a:t>2022-05-10</a:t>
+              <a:t>2022-05-12</a:t>
             </a:fld>
             <a:endParaRPr lang="ko-KR" altLang="en-US"/>
           </a:p>
@@ -2319,7 +2319,7 @@
           <a:p>
             <a:fld id="{9574455A-2DDD-437B-83D0-4655CE0ECE7B}" type="datetimeFigureOut">
               <a:rPr lang="ko-KR" altLang="en-US" smtClean="0"/>
-              <a:t>2022-05-10</a:t>
+              <a:t>2022-05-12</a:t>
             </a:fld>
             <a:endParaRPr lang="ko-KR" altLang="en-US"/>
           </a:p>
@@ -2414,7 +2414,7 @@
           <a:p>
             <a:fld id="{9574455A-2DDD-437B-83D0-4655CE0ECE7B}" type="datetimeFigureOut">
               <a:rPr lang="ko-KR" altLang="en-US" smtClean="0"/>
-              <a:t>2022-05-10</a:t>
+              <a:t>2022-05-12</a:t>
             </a:fld>
             <a:endParaRPr lang="ko-KR" altLang="en-US"/>
           </a:p>
@@ -2691,7 +2691,7 @@
           <a:p>
             <a:fld id="{9574455A-2DDD-437B-83D0-4655CE0ECE7B}" type="datetimeFigureOut">
               <a:rPr lang="ko-KR" altLang="en-US" smtClean="0"/>
-              <a:t>2022-05-10</a:t>
+              <a:t>2022-05-12</a:t>
             </a:fld>
             <a:endParaRPr lang="ko-KR" altLang="en-US"/>
           </a:p>
@@ -2861,7 +2861,7 @@
           <a:p>
             <a:fld id="{9574455A-2DDD-437B-83D0-4655CE0ECE7B}" type="datetimeFigureOut">
               <a:rPr lang="ko-KR" altLang="en-US" smtClean="0"/>
-              <a:t>2022-05-10</a:t>
+              <a:t>2022-05-12</a:t>
             </a:fld>
             <a:endParaRPr lang="ko-KR" altLang="en-US"/>
           </a:p>
@@ -3118,7 +3118,7 @@
           <a:p>
             <a:fld id="{9574455A-2DDD-437B-83D0-4655CE0ECE7B}" type="datetimeFigureOut">
               <a:rPr lang="ko-KR" altLang="en-US" smtClean="0"/>
-              <a:t>2022-05-10</a:t>
+              <a:t>2022-05-12</a:t>
             </a:fld>
             <a:endParaRPr lang="ko-KR" altLang="en-US"/>
           </a:p>
@@ -3288,7 +3288,7 @@
           <a:p>
             <a:fld id="{9574455A-2DDD-437B-83D0-4655CE0ECE7B}" type="datetimeFigureOut">
               <a:rPr lang="ko-KR" altLang="en-US" smtClean="0"/>
-              <a:t>2022-05-10</a:t>
+              <a:t>2022-05-12</a:t>
             </a:fld>
             <a:endParaRPr lang="ko-KR" altLang="en-US"/>
           </a:p>
@@ -3468,7 +3468,7 @@
           <a:p>
             <a:fld id="{9574455A-2DDD-437B-83D0-4655CE0ECE7B}" type="datetimeFigureOut">
               <a:rPr lang="ko-KR" altLang="en-US" smtClean="0"/>
-              <a:t>2022-05-10</a:t>
+              <a:t>2022-05-12</a:t>
             </a:fld>
             <a:endParaRPr lang="ko-KR" altLang="en-US"/>
           </a:p>
@@ -3719,7 +3719,7 @@
           <a:p>
             <a:fld id="{9574455A-2DDD-437B-83D0-4655CE0ECE7B}" type="datetimeFigureOut">
               <a:rPr lang="ko-KR" altLang="en-US" smtClean="0"/>
-              <a:t>2022-05-10</a:t>
+              <a:t>2022-05-12</a:t>
             </a:fld>
             <a:endParaRPr lang="ko-KR" altLang="en-US"/>
           </a:p>
@@ -3951,7 +3951,7 @@
           <a:p>
             <a:fld id="{9574455A-2DDD-437B-83D0-4655CE0ECE7B}" type="datetimeFigureOut">
               <a:rPr lang="ko-KR" altLang="en-US" smtClean="0"/>
-              <a:t>2022-05-10</a:t>
+              <a:t>2022-05-12</a:t>
             </a:fld>
             <a:endParaRPr lang="ko-KR" altLang="en-US"/>
           </a:p>
@@ -4298,7 +4298,7 @@
           <a:p>
             <a:fld id="{9574455A-2DDD-437B-83D0-4655CE0ECE7B}" type="datetimeFigureOut">
               <a:rPr lang="ko-KR" altLang="en-US" smtClean="0"/>
-              <a:t>2022-05-10</a:t>
+              <a:t>2022-05-12</a:t>
             </a:fld>
             <a:endParaRPr lang="ko-KR" altLang="en-US"/>
           </a:p>
@@ -4416,7 +4416,7 @@
           <a:p>
             <a:fld id="{9574455A-2DDD-437B-83D0-4655CE0ECE7B}" type="datetimeFigureOut">
               <a:rPr lang="ko-KR" altLang="en-US" smtClean="0"/>
-              <a:t>2022-05-10</a:t>
+              <a:t>2022-05-12</a:t>
             </a:fld>
             <a:endParaRPr lang="ko-KR" altLang="en-US"/>
           </a:p>
@@ -4534,7 +4534,7 @@
           <a:p>
             <a:fld id="{9574455A-2DDD-437B-83D0-4655CE0ECE7B}" type="datetimeFigureOut">
               <a:rPr lang="ko-KR" altLang="en-US" smtClean="0"/>
-              <a:t>2022-05-10</a:t>
+              <a:t>2022-05-12</a:t>
             </a:fld>
             <a:endParaRPr lang="ko-KR" altLang="en-US"/>
           </a:p>
@@ -4818,7 +4818,7 @@
           <a:p>
             <a:fld id="{9574455A-2DDD-437B-83D0-4655CE0ECE7B}" type="datetimeFigureOut">
               <a:rPr lang="ko-KR" altLang="en-US" smtClean="0"/>
-              <a:t>2022-05-10</a:t>
+              <a:t>2022-05-12</a:t>
             </a:fld>
             <a:endParaRPr lang="ko-KR" altLang="en-US"/>
           </a:p>
@@ -5082,7 +5082,7 @@
           <a:p>
             <a:fld id="{9574455A-2DDD-437B-83D0-4655CE0ECE7B}" type="datetimeFigureOut">
               <a:rPr lang="ko-KR" altLang="en-US" smtClean="0"/>
-              <a:t>2022-05-10</a:t>
+              <a:t>2022-05-12</a:t>
             </a:fld>
             <a:endParaRPr lang="ko-KR" altLang="en-US"/>
           </a:p>
@@ -5296,7 +5296,7 @@
           <a:p>
             <a:fld id="{9574455A-2DDD-437B-83D0-4655CE0ECE7B}" type="datetimeFigureOut">
               <a:rPr lang="ko-KR" altLang="en-US" smtClean="0"/>
-              <a:t>2022-05-10</a:t>
+              <a:t>2022-05-12</a:t>
             </a:fld>
             <a:endParaRPr lang="ko-KR" altLang="en-US"/>
           </a:p>
@@ -5825,7 +5825,7 @@
           <a:p>
             <a:fld id="{9574455A-2DDD-437B-83D0-4655CE0ECE7B}" type="datetimeFigureOut">
               <a:rPr lang="ko-KR" altLang="en-US" smtClean="0"/>
-              <a:t>2022-05-10</a:t>
+              <a:t>2022-05-12</a:t>
             </a:fld>
             <a:endParaRPr lang="ko-KR" altLang="en-US"/>
           </a:p>
@@ -7119,15 +7119,7 @@
                   <a:schemeClr val="tx1"/>
                 </a:solidFill>
               </a:rPr>
-              <a:t>Controller </a:t>
-            </a:r>
-            <a:r>
-              <a:rPr lang="en-US" altLang="ko-KR" dirty="0" err="1" smtClean="0">
-                <a:solidFill>
-                  <a:schemeClr val="tx1"/>
-                </a:solidFill>
-              </a:rPr>
-              <a:t>Packge</a:t>
+              <a:t>App</a:t>
             </a:r>
             <a:endParaRPr lang="en-US" altLang="ko-KR" dirty="0" smtClean="0">
               <a:solidFill>
@@ -7180,6 +7172,33 @@
               </a:rPr>
               <a:t>Package</a:t>
             </a:r>
+          </a:p>
+          <a:p>
+            <a:pPr algn="ctr"/>
+            <a:endParaRPr lang="en-US" altLang="ko-KR" dirty="0">
+              <a:solidFill>
+                <a:schemeClr val="tx1"/>
+              </a:solidFill>
+            </a:endParaRPr>
+          </a:p>
+          <a:p>
+            <a:pPr algn="ctr"/>
+            <a:endParaRPr lang="en-US" altLang="ko-KR" dirty="0" smtClean="0">
+              <a:solidFill>
+                <a:schemeClr val="tx1"/>
+              </a:solidFill>
+            </a:endParaRPr>
+          </a:p>
+          <a:p>
+            <a:pPr algn="ctr"/>
+            <a:endParaRPr lang="en-US" altLang="ko-KR" dirty="0">
+              <a:solidFill>
+                <a:schemeClr val="tx1"/>
+              </a:solidFill>
+            </a:endParaRPr>
+          </a:p>
+          <a:p>
+            <a:pPr algn="ctr"/>
             <a:endParaRPr lang="ko-KR" altLang="en-US" dirty="0">
               <a:solidFill>
                 <a:schemeClr val="tx1"/>
@@ -7271,17 +7290,6 @@
               </a:rPr>
               <a:t>DTO</a:t>
             </a:r>
-          </a:p>
-          <a:p>
-            <a:pPr algn="ctr"/>
-            <a:r>
-              <a:rPr lang="en-US" altLang="ko-KR" dirty="0" err="1" smtClean="0">
-                <a:solidFill>
-                  <a:schemeClr val="tx1"/>
-                </a:solidFill>
-              </a:rPr>
-              <a:t>Packge</a:t>
-            </a:r>
             <a:endParaRPr lang="en-US" altLang="ko-KR" dirty="0" smtClean="0">
               <a:solidFill>
                 <a:schemeClr val="tx1"/>
@@ -7373,6 +7381,25 @@
               </a:rPr>
               <a:t>Package</a:t>
             </a:r>
+          </a:p>
+          <a:p>
+            <a:pPr algn="ctr"/>
+            <a:endParaRPr lang="en-US" altLang="ko-KR" dirty="0">
+              <a:solidFill>
+                <a:schemeClr val="tx1"/>
+              </a:solidFill>
+            </a:endParaRPr>
+          </a:p>
+          <a:p>
+            <a:pPr algn="ctr"/>
+            <a:endParaRPr lang="en-US" altLang="ko-KR" dirty="0" smtClean="0">
+              <a:solidFill>
+                <a:schemeClr val="tx1"/>
+              </a:solidFill>
+            </a:endParaRPr>
+          </a:p>
+          <a:p>
+            <a:pPr algn="ctr"/>
             <a:endParaRPr lang="ko-KR" altLang="en-US" dirty="0">
               <a:solidFill>
                 <a:schemeClr val="tx1"/>
@@ -7464,17 +7491,6 @@
               </a:rPr>
               <a:t>Operate</a:t>
             </a:r>
-          </a:p>
-          <a:p>
-            <a:pPr algn="ctr"/>
-            <a:r>
-              <a:rPr lang="en-US" altLang="ko-KR" dirty="0" err="1" smtClean="0">
-                <a:solidFill>
-                  <a:schemeClr val="tx1"/>
-                </a:solidFill>
-              </a:rPr>
-              <a:t>Packge</a:t>
-            </a:r>
             <a:endParaRPr lang="en-US" altLang="ko-KR" dirty="0" smtClean="0">
               <a:solidFill>
                 <a:schemeClr val="tx1"/>
@@ -7550,6 +7566,30 @@
               </a:rPr>
               <a:t>Package</a:t>
             </a:r>
+          </a:p>
+          <a:p>
+            <a:pPr algn="ctr"/>
+            <a:endParaRPr lang="en-US" altLang="ko-KR" dirty="0">
+              <a:solidFill>
+                <a:schemeClr val="tx1"/>
+              </a:solidFill>
+            </a:endParaRPr>
+          </a:p>
+          <a:p>
+            <a:pPr algn="ctr"/>
+            <a:endParaRPr lang="en-US" altLang="ko-KR" dirty="0" smtClean="0">
+              <a:solidFill>
+                <a:schemeClr val="tx1"/>
+              </a:solidFill>
+            </a:endParaRPr>
+          </a:p>
+          <a:p>
+            <a:pPr algn="ctr"/>
+            <a:endParaRPr lang="en-US" altLang="ko-KR" dirty="0" smtClean="0">
+              <a:solidFill>
+                <a:schemeClr val="tx1"/>
+              </a:solidFill>
+            </a:endParaRPr>
           </a:p>
         </p:txBody>
       </p:sp>
@@ -7696,6 +7736,38 @@
               <a:t>Package</a:t>
             </a:r>
           </a:p>
+          <a:p>
+            <a:pPr algn="ctr"/>
+            <a:endParaRPr lang="en-US" altLang="ko-KR" dirty="0">
+              <a:solidFill>
+                <a:schemeClr val="tx1"/>
+              </a:solidFill>
+            </a:endParaRPr>
+          </a:p>
+          <a:p>
+            <a:pPr algn="ctr"/>
+            <a:endParaRPr lang="en-US" altLang="ko-KR" dirty="0" smtClean="0">
+              <a:solidFill>
+                <a:schemeClr val="tx1"/>
+              </a:solidFill>
+            </a:endParaRPr>
+          </a:p>
+          <a:p>
+            <a:pPr algn="ctr"/>
+            <a:endParaRPr lang="en-US" altLang="ko-KR" dirty="0">
+              <a:solidFill>
+                <a:schemeClr val="tx1"/>
+              </a:solidFill>
+            </a:endParaRPr>
+          </a:p>
+          <a:p>
+            <a:pPr algn="ctr"/>
+            <a:endParaRPr lang="en-US" altLang="ko-KR" dirty="0" smtClean="0">
+              <a:solidFill>
+                <a:schemeClr val="tx1"/>
+              </a:solidFill>
+            </a:endParaRPr>
+          </a:p>
         </p:txBody>
       </p:sp>
       <p:cxnSp>
@@ -7809,13 +7881,40 @@
               <a:t> </a:t>
             </a:r>
             <a:r>
-              <a:rPr lang="en-US" altLang="ko-KR" dirty="0" err="1" smtClean="0">
+              <a:rPr lang="en-US" altLang="ko-KR" dirty="0" smtClean="0">
                 <a:solidFill>
                   <a:schemeClr val="tx1"/>
                 </a:solidFill>
               </a:rPr>
-              <a:t>Packge</a:t>
-            </a:r>
+              <a:t>Package</a:t>
+            </a:r>
+          </a:p>
+          <a:p>
+            <a:pPr algn="ctr"/>
+            <a:endParaRPr lang="en-US" altLang="ko-KR" dirty="0">
+              <a:solidFill>
+                <a:schemeClr val="tx1"/>
+              </a:solidFill>
+            </a:endParaRPr>
+          </a:p>
+          <a:p>
+            <a:pPr algn="ctr"/>
+            <a:endParaRPr lang="en-US" altLang="ko-KR" dirty="0" smtClean="0">
+              <a:solidFill>
+                <a:schemeClr val="tx1"/>
+              </a:solidFill>
+            </a:endParaRPr>
+          </a:p>
+          <a:p>
+            <a:pPr algn="ctr"/>
+            <a:endParaRPr lang="en-US" altLang="ko-KR" dirty="0">
+              <a:solidFill>
+                <a:schemeClr val="tx1"/>
+              </a:solidFill>
+            </a:endParaRPr>
+          </a:p>
+          <a:p>
+            <a:pPr algn="ctr"/>
             <a:endParaRPr lang="ko-KR" altLang="en-US" dirty="0">
               <a:solidFill>
                 <a:schemeClr val="tx1"/>
